--- a/10_Event.pptx
+++ b/10_Event.pptx
@@ -223,7 +223,7 @@
             <a:fld id="{6837EDA8-41C8-4B24-A206-13C08A65A6D7}" type="datetimeFigureOut">
               <a:rPr lang="zh-TW" altLang="en-US" smtClean="0"/>
               <a:pPr/>
-              <a:t>2022/9/23</a:t>
+              <a:t>2022/9/24</a:t>
             </a:fld>
             <a:endParaRPr lang="zh-TW" altLang="en-US"/>
           </a:p>
@@ -676,7 +676,7 @@
             <a:fld id="{8B85509C-BD4F-47BF-9B1E-FC2E949B3621}" type="datetime1">
               <a:rPr lang="zh-TW" altLang="en-US" smtClean="0"/>
               <a:pPr/>
-              <a:t>2022/9/23</a:t>
+              <a:t>2022/9/24</a:t>
             </a:fld>
             <a:endParaRPr lang="zh-TW" altLang="en-US"/>
           </a:p>
@@ -849,7 +849,7 @@
             <a:fld id="{42251B24-F787-4C15-8A0F-7AEC20C70069}" type="datetime1">
               <a:rPr lang="zh-TW" altLang="en-US" smtClean="0"/>
               <a:pPr/>
-              <a:t>2022/9/23</a:t>
+              <a:t>2022/9/24</a:t>
             </a:fld>
             <a:endParaRPr lang="zh-TW" altLang="en-US"/>
           </a:p>
@@ -1024,7 +1024,7 @@
             <a:fld id="{9CA0D33C-CE2B-45F1-B8D4-FFD1F131F331}" type="datetime1">
               <a:rPr lang="zh-TW" altLang="en-US" smtClean="0"/>
               <a:pPr/>
-              <a:t>2022/9/23</a:t>
+              <a:t>2022/9/24</a:t>
             </a:fld>
             <a:endParaRPr lang="zh-TW" altLang="en-US"/>
           </a:p>
@@ -1189,7 +1189,7 @@
             <a:fld id="{50B99440-D9EF-40CC-9B52-F6428D9B2C76}" type="datetime1">
               <a:rPr lang="zh-TW" altLang="en-US" smtClean="0"/>
               <a:pPr/>
-              <a:t>2022/9/23</a:t>
+              <a:t>2022/9/24</a:t>
             </a:fld>
             <a:endParaRPr lang="zh-TW" altLang="en-US"/>
           </a:p>
@@ -1431,7 +1431,7 @@
             <a:fld id="{0871BF52-5C6C-4959-8E27-CECB68D39FE4}" type="datetime1">
               <a:rPr lang="zh-TW" altLang="en-US" smtClean="0"/>
               <a:pPr/>
-              <a:t>2022/9/23</a:t>
+              <a:t>2022/9/24</a:t>
             </a:fld>
             <a:endParaRPr lang="zh-TW" altLang="en-US"/>
           </a:p>
@@ -1713,7 +1713,7 @@
             <a:fld id="{DF863F05-2DD9-4EB1-A827-12FD992DE9DC}" type="datetime1">
               <a:rPr lang="zh-TW" altLang="en-US" smtClean="0"/>
               <a:pPr/>
-              <a:t>2022/9/23</a:t>
+              <a:t>2022/9/24</a:t>
             </a:fld>
             <a:endParaRPr lang="zh-TW" altLang="en-US"/>
           </a:p>
@@ -2129,7 +2129,7 @@
             <a:fld id="{6339AF51-4491-4873-A096-75DB6CE47516}" type="datetime1">
               <a:rPr lang="zh-TW" altLang="en-US" smtClean="0"/>
               <a:pPr/>
-              <a:t>2022/9/23</a:t>
+              <a:t>2022/9/24</a:t>
             </a:fld>
             <a:endParaRPr lang="zh-TW" altLang="en-US"/>
           </a:p>
@@ -2243,7 +2243,7 @@
             <a:fld id="{EE4AD9C8-8B9E-40FF-ABE2-858AC2057BBB}" type="datetime1">
               <a:rPr lang="zh-TW" altLang="en-US" smtClean="0"/>
               <a:pPr/>
-              <a:t>2022/9/23</a:t>
+              <a:t>2022/9/24</a:t>
             </a:fld>
             <a:endParaRPr lang="zh-TW" altLang="en-US"/>
           </a:p>
@@ -2335,7 +2335,7 @@
             <a:fld id="{B4784999-BBBE-4BE4-A8D0-877E7D1D66CC}" type="datetime1">
               <a:rPr lang="zh-TW" altLang="en-US" smtClean="0"/>
               <a:pPr/>
-              <a:t>2022/9/23</a:t>
+              <a:t>2022/9/24</a:t>
             </a:fld>
             <a:endParaRPr lang="zh-TW" altLang="en-US"/>
           </a:p>
@@ -2607,7 +2607,7 @@
             <a:fld id="{E88D17E6-02BD-4944-B9FE-7BFCCBF83D48}" type="datetime1">
               <a:rPr lang="zh-TW" altLang="en-US" smtClean="0"/>
               <a:pPr/>
-              <a:t>2022/9/23</a:t>
+              <a:t>2022/9/24</a:t>
             </a:fld>
             <a:endParaRPr lang="zh-TW" altLang="en-US"/>
           </a:p>
@@ -2856,7 +2856,7 @@
             <a:fld id="{3C13E23D-1FEF-4D78-A3A3-3D6F2BB31954}" type="datetime1">
               <a:rPr lang="zh-TW" altLang="en-US" smtClean="0"/>
               <a:pPr/>
-              <a:t>2022/9/23</a:t>
+              <a:t>2022/9/24</a:t>
             </a:fld>
             <a:endParaRPr lang="zh-TW" altLang="en-US"/>
           </a:p>
@@ -3064,7 +3064,7 @@
             <a:fld id="{06197F35-AD6F-4594-8B50-334492D2E7E8}" type="datetime1">
               <a:rPr lang="zh-TW" altLang="en-US" smtClean="0"/>
               <a:pPr/>
-              <a:t>2022/9/23</a:t>
+              <a:t>2022/9/24</a:t>
             </a:fld>
             <a:endParaRPr lang="zh-TW" altLang="en-US"/>
           </a:p>
@@ -3525,7 +3525,7 @@
             <a:fld id="{C389EDC9-19E3-47AC-9C57-C6A24DEA81AD}" type="datetime1">
               <a:rPr lang="zh-TW" altLang="en-US" smtClean="0"/>
               <a:pPr/>
-              <a:t>2022/9/23</a:t>
+              <a:t>2022/9/24</a:t>
             </a:fld>
             <a:endParaRPr lang="zh-TW" altLang="en-US"/>
           </a:p>
@@ -5396,7 +5396,7 @@
             <a:fld id="{4E46BE27-E923-4EC2-B046-3272AE2A3E5C}" type="datetime1">
               <a:rPr lang="zh-TW" altLang="en-US" smtClean="0"/>
               <a:pPr/>
-              <a:t>2022/9/23</a:t>
+              <a:t>2022/9/24</a:t>
             </a:fld>
             <a:endParaRPr lang="zh-TW" altLang="en-US"/>
           </a:p>
@@ -5529,7 +5529,7 @@
         <p:spPr>
           <a:xfrm>
             <a:off x="467543" y="1268758"/>
-            <a:ext cx="8424937" cy="1584178"/>
+            <a:ext cx="8424937" cy="1800202"/>
           </a:xfrm>
           <a:ln>
             <a:solidFill>
@@ -5557,7 +5557,7 @@
                   <a:schemeClr val="tx1"/>
                 </a:solidFill>
               </a:rPr>
-              <a:t>Concurrency (0:02/3:07)</a:t>
+              <a:t>Event (0:02/3:07)</a:t>
             </a:r>
           </a:p>
           <a:p>
@@ -5618,6 +5618,24 @@
                 </a:solidFill>
               </a:rPr>
               <a:t>We will synchronize the activities among the concurrent processes.</a:t>
+            </a:r>
+          </a:p>
+          <a:p>
+            <a:pPr marL="342900" indent="-342900" algn="l">
+              <a:buClr>
+                <a:srgbClr val="0070C0"/>
+              </a:buClr>
+              <a:buSzPct val="80000"/>
+              <a:buFont typeface="Wingdings" pitchFamily="2" charset="2"/>
+              <a:buChar char="u"/>
+            </a:pPr>
+            <a:r>
+              <a:rPr lang="en-US" sz="1600" dirty="0">
+                <a:solidFill>
+                  <a:schemeClr val="tx1"/>
+                </a:solidFill>
+              </a:rPr>
+              <a:t>systemC uses wait function to listen to the event.</a:t>
             </a:r>
           </a:p>
           <a:p>
@@ -5733,7 +5751,7 @@
             <a:fld id="{A4F910E6-8D00-4BAF-8C48-9688E0B449D3}" type="datetime1">
               <a:rPr lang="zh-TW" altLang="en-US" smtClean="0"/>
               <a:pPr/>
-              <a:t>2022/9/23</a:t>
+              <a:t>2022/9/24</a:t>
             </a:fld>
             <a:endParaRPr lang="zh-TW" altLang="en-US"/>
           </a:p>
@@ -5778,13 +5796,13 @@
           <p:nvPr>
             <p:extLst>
               <p:ext uri="{D42A27DB-BD31-4B8C-83A1-F6EECF244321}">
-                <p14:modId xmlns:p14="http://schemas.microsoft.com/office/powerpoint/2010/main" val="2847729989"/>
+                <p14:modId xmlns:p14="http://schemas.microsoft.com/office/powerpoint/2010/main" val="3151753388"/>
               </p:ext>
             </p:extLst>
           </p:nvPr>
         </p:nvGraphicFramePr>
         <p:xfrm>
-          <a:off x="539552" y="3068960"/>
+          <a:off x="539552" y="3284984"/>
           <a:ext cx="8305800" cy="1228725"/>
         </p:xfrm>
         <a:graphic>
@@ -5812,7 +5830,7 @@
                     </p:blipFill>
                     <p:spPr>
                       <a:xfrm>
-                        <a:off x="539552" y="3068960"/>
+                        <a:off x="539552" y="3284984"/>
                         <a:ext cx="8305800" cy="1228725"/>
                       </a:xfrm>
                       <a:prstGeom prst="rect">
@@ -5967,7 +5985,7 @@
                   <a:schemeClr val="tx1"/>
                 </a:solidFill>
               </a:rPr>
-              <a:t>Concurrency (0:12/3:07)</a:t>
+              <a:t>Event (0:12/3:07)</a:t>
             </a:r>
           </a:p>
           <a:p>
@@ -6125,7 +6143,7 @@
             <a:fld id="{A4F910E6-8D00-4BAF-8C48-9688E0B449D3}" type="datetime1">
               <a:rPr lang="zh-TW" altLang="en-US" smtClean="0"/>
               <a:pPr/>
-              <a:t>2022/9/23</a:t>
+              <a:t>2022/9/24</a:t>
             </a:fld>
             <a:endParaRPr lang="zh-TW" altLang="en-US"/>
           </a:p>
@@ -6359,7 +6377,7 @@
                   <a:schemeClr val="tx1"/>
                 </a:solidFill>
               </a:rPr>
-              <a:t>Concurrency (0:20/3:07)</a:t>
+              <a:t>Event (0:20/3:07)</a:t>
             </a:r>
           </a:p>
           <a:p>
@@ -6419,7 +6437,7 @@
                   <a:schemeClr val="tx1"/>
                 </a:solidFill>
               </a:rPr>
-              <a:t>1. First method is notify(). it can generate an immediate notification.</a:t>
+              <a:t>1. First method is notify(). It can generate an immediate notification.</a:t>
             </a:r>
           </a:p>
           <a:p>
@@ -6553,7 +6571,7 @@
             <a:fld id="{A4F910E6-8D00-4BAF-8C48-9688E0B449D3}" type="datetime1">
               <a:rPr lang="zh-TW" altLang="en-US" smtClean="0"/>
               <a:pPr/>
-              <a:t>2022/9/23</a:t>
+              <a:t>2022/9/24</a:t>
             </a:fld>
             <a:endParaRPr lang="zh-TW" altLang="en-US"/>
           </a:p>
@@ -6787,7 +6805,7 @@
                   <a:schemeClr val="tx1"/>
                 </a:solidFill>
               </a:rPr>
-              <a:t>Concurrency (0:30/3:07)</a:t>
+              <a:t>Event (0:30/3:07)</a:t>
             </a:r>
           </a:p>
           <a:p>
@@ -6963,7 +6981,7 @@
             <a:fld id="{A4F910E6-8D00-4BAF-8C48-9688E0B449D3}" type="datetime1">
               <a:rPr lang="zh-TW" altLang="en-US" smtClean="0"/>
               <a:pPr/>
-              <a:t>2022/9/23</a:t>
+              <a:t>2022/9/24</a:t>
             </a:fld>
             <a:endParaRPr lang="zh-TW" altLang="en-US"/>
           </a:p>
@@ -7150,7 +7168,7 @@
             <a:fld id="{C389EDC9-19E3-47AC-9C57-C6A24DEA81AD}" type="datetime1">
               <a:rPr lang="zh-TW" altLang="en-US" smtClean="0"/>
               <a:pPr/>
-              <a:t>2022/9/23</a:t>
+              <a:t>2022/9/24</a:t>
             </a:fld>
             <a:endParaRPr lang="zh-TW" altLang="en-US"/>
           </a:p>
@@ -7539,7 +7557,7 @@
             <a:fld id="{A4F910E6-8D00-4BAF-8C48-9688E0B449D3}" type="datetime1">
               <a:rPr lang="zh-TW" altLang="en-US" smtClean="0"/>
               <a:pPr/>
-              <a:t>2022/9/23</a:t>
+              <a:t>2022/9/24</a:t>
             </a:fld>
             <a:endParaRPr lang="zh-TW" altLang="en-US"/>
           </a:p>
